--- a/img/extract.pptx
+++ b/img/extract.pptx
@@ -151,7 +151,7 @@
       </p14:sectionLst>
     </p:ext>
     <p:ext uri="{EFAFB233-063F-42B5-8137-9DF3F51BA10A}">
-      <p15:sldGuideLst xmlns="" xmlns:p15="http://schemas.microsoft.com/office/powerpoint/2012/main">
+      <p15:sldGuideLst xmlns:p15="http://schemas.microsoft.com/office/powerpoint/2012/main" xmlns="">
         <p15:guide id="1" orient="horz" pos="2160">
           <p15:clr>
             <a:srgbClr val="A4A3A4"/>
@@ -165,7 +165,7 @@
       </p15:sldGuideLst>
     </p:ext>
     <p:ext uri="{2D200454-40CA-4A62-9FC3-DE9A4176ACB9}">
-      <p15:notesGuideLst xmlns="" xmlns:p15="http://schemas.microsoft.com/office/powerpoint/2012/main">
+      <p15:notesGuideLst xmlns:p15="http://schemas.microsoft.com/office/powerpoint/2012/main" xmlns="">
         <p15:guide id="1" orient="horz" pos="3223">
           <p15:clr>
             <a:srgbClr val="A4A3A4"/>
@@ -1960,7 +1960,7 @@
             <p:spPr>
               <a:xfrm>
                 <a:off x="701824" y="1341884"/>
-                <a:ext cx="792088" cy="230363"/>
+                <a:ext cx="792088" cy="207023"/>
               </a:xfrm>
               <a:prstGeom prst="rect">
                 <a:avLst/>
@@ -1987,7 +1987,7 @@
                     </m:oMathParaPr>
                     <m:oMath xmlns:m="http://schemas.openxmlformats.org/officeDocument/2006/math">
                       <m:r>
-                        <a:rPr lang="en-US" altLang="ja-JP" sz="1200" b="0" i="1" smtClean="0">
+                        <a:rPr lang="en-US" altLang="ja-JP" sz="1050" b="0" i="1" smtClean="0">
                           <a:latin typeface="Cambria Math"/>
                           <a:ea typeface="ＭＳ ゴシック" pitchFamily="49" charset="-128"/>
                           <a:cs typeface="Courier New" pitchFamily="49" charset="0"/>
@@ -1997,7 +1997,7 @@
                       <m:sSub>
                         <m:sSubPr>
                           <m:ctrlPr>
-                            <a:rPr lang="en-US" altLang="ja-JP" sz="1200" b="0" i="1" smtClean="0">
+                            <a:rPr lang="en-US" altLang="ja-JP" sz="1050" b="0" i="1" smtClean="0">
                               <a:latin typeface="Cambria Math"/>
                               <a:ea typeface="ＭＳ ゴシック" pitchFamily="49" charset="-128"/>
                               <a:cs typeface="Courier New" pitchFamily="49" charset="0"/>
@@ -2006,7 +2006,7 @@
                         </m:sSubPr>
                         <m:e>
                           <m:r>
-                            <a:rPr lang="en-US" altLang="ja-JP" sz="1200" b="0" i="1" smtClean="0">
+                            <a:rPr lang="en-US" altLang="ja-JP" sz="1050" b="0" i="1" smtClean="0">
                               <a:latin typeface="Cambria Math"/>
                               <a:ea typeface="ＭＳ ゴシック" pitchFamily="49" charset="-128"/>
                               <a:cs typeface="Courier New" pitchFamily="49" charset="0"/>
@@ -2016,7 +2016,7 @@
                         </m:e>
                         <m:sub>
                           <m:r>
-                            <a:rPr lang="en-US" altLang="ja-JP" sz="1200" b="0" i="1" smtClean="0">
+                            <a:rPr lang="en-US" altLang="ja-JP" sz="1050" b="0" i="1" smtClean="0">
                               <a:latin typeface="Cambria Math"/>
                               <a:ea typeface="ＭＳ ゴシック" pitchFamily="49" charset="-128"/>
                               <a:cs typeface="Courier New" pitchFamily="49" charset="0"/>
@@ -2028,7 +2028,7 @@
                       <m:sSubSup>
                         <m:sSubSupPr>
                           <m:ctrlPr>
-                            <a:rPr lang="en-US" altLang="ja-JP" sz="1200" b="0" i="1" smtClean="0">
+                            <a:rPr lang="en-US" altLang="ja-JP" sz="1050" b="0" i="1" smtClean="0">
                               <a:latin typeface="Cambria Math"/>
                               <a:ea typeface="ＭＳ ゴシック" pitchFamily="49" charset="-128"/>
                               <a:cs typeface="Courier New" pitchFamily="49" charset="0"/>
@@ -2037,7 +2037,7 @@
                         </m:sSubSupPr>
                         <m:e>
                           <m:r>
-                            <a:rPr lang="en-US" altLang="ja-JP" sz="1200" b="0" i="1" smtClean="0">
+                            <a:rPr lang="en-US" altLang="ja-JP" sz="1050" b="0" i="1" smtClean="0">
                               <a:latin typeface="Cambria Math"/>
                               <a:ea typeface="ＭＳ ゴシック" pitchFamily="49" charset="-128"/>
                               <a:cs typeface="Courier New" pitchFamily="49" charset="0"/>
@@ -2045,7 +2045,7 @@
                             <m:t>  </m:t>
                           </m:r>
                           <m:r>
-                            <a:rPr lang="en-US" altLang="ja-JP" sz="1200" b="0" i="1" smtClean="0">
+                            <a:rPr lang="en-US" altLang="ja-JP" sz="1050" b="0" i="1" smtClean="0">
                               <a:latin typeface="Cambria Math"/>
                               <a:ea typeface="ＭＳ ゴシック" pitchFamily="49" charset="-128"/>
                               <a:cs typeface="Courier New" pitchFamily="49" charset="0"/>
@@ -2055,7 +2055,7 @@
                         </m:e>
                         <m:sub>
                           <m:r>
-                            <a:rPr lang="en-US" altLang="ja-JP" sz="1200" b="0" i="1" smtClean="0">
+                            <a:rPr lang="en-US" altLang="ja-JP" sz="1050" b="0" i="1" smtClean="0">
                               <a:latin typeface="Cambria Math"/>
                               <a:ea typeface="ＭＳ ゴシック" pitchFamily="49" charset="-128"/>
                               <a:cs typeface="Courier New" pitchFamily="49" charset="0"/>
@@ -2065,7 +2065,7 @@
                         </m:sub>
                         <m:sup>
                           <m:r>
-                            <a:rPr lang="en-US" altLang="ja-JP" sz="1200" b="0" i="1" smtClean="0">
+                            <a:rPr lang="en-US" altLang="ja-JP" sz="1050" b="0" i="1" smtClean="0">
                               <a:latin typeface="Cambria Math"/>
                               <a:ea typeface="ＭＳ ゴシック" pitchFamily="49" charset="-128"/>
                               <a:cs typeface="Courier New" pitchFamily="49" charset="0"/>
@@ -2077,7 +2077,7 @@
                     </m:oMath>
                   </m:oMathPara>
                 </a14:m>
-                <a:endParaRPr lang="ja-JP" altLang="en-US" sz="1200">
+                <a:endParaRPr lang="ja-JP" altLang="en-US" sz="1050">
                   <a:latin typeface="Courier New" pitchFamily="49" charset="0"/>
                   <a:ea typeface="ＭＳ ゴシック" pitchFamily="49" charset="-128"/>
                   <a:cs typeface="Courier New" pitchFamily="49" charset="0"/>
@@ -2098,7 +2098,7 @@
             <p:spPr>
               <a:xfrm>
                 <a:off x="701824" y="1341884"/>
-                <a:ext cx="792088" cy="230363"/>
+                <a:ext cx="792088" cy="207023"/>
               </a:xfrm>
               <a:prstGeom prst="rect">
                 <a:avLst/>
@@ -2140,7 +2140,7 @@
         <p:spPr>
           <a:xfrm>
             <a:off x="2862064" y="1396244"/>
-            <a:ext cx="856471" cy="228183"/>
+            <a:ext cx="760291" cy="205100"/>
           </a:xfrm>
           <a:prstGeom prst="rect">
             <a:avLst/>
@@ -2158,14 +2158,14 @@
           <a:lstStyle/>
           <a:p>
             <a:r>
-              <a:rPr lang="ja-JP" altLang="en-US" sz="1200" smtClean="0">
+              <a:rPr lang="ja-JP" altLang="en-US" sz="1050" smtClean="0">
                 <a:latin typeface="HG丸ｺﾞｼｯｸM-PRO" panose="020F0600000000000000" pitchFamily="50" charset="-128"/>
                 <a:ea typeface="HG丸ｺﾞｼｯｸM-PRO" panose="020F0600000000000000" pitchFamily="50" charset="-128"/>
                 <a:cs typeface="Courier New" pitchFamily="49" charset="0"/>
               </a:rPr>
               <a:t>逆行列あり</a:t>
             </a:r>
-            <a:endParaRPr lang="ja-JP" altLang="en-US" sz="1200">
+            <a:endParaRPr lang="ja-JP" altLang="en-US" sz="1050">
               <a:latin typeface="HG丸ｺﾞｼｯｸM-PRO" panose="020F0600000000000000" pitchFamily="50" charset="-128"/>
               <a:ea typeface="HG丸ｺﾞｼｯｸM-PRO" panose="020F0600000000000000" pitchFamily="50" charset="-128"/>
               <a:cs typeface="Courier New" pitchFamily="49" charset="0"/>
@@ -2184,7 +2184,7 @@
         </p:nvCxnSpPr>
         <p:spPr>
           <a:xfrm flipV="1">
-            <a:off x="1493912" y="1241042"/>
+            <a:off x="1493912" y="1229372"/>
             <a:ext cx="504056" cy="216024"/>
           </a:xfrm>
           <a:prstGeom prst="straightConnector1">
@@ -2223,15 +2223,14 @@
             <p:spPr>
               <a:xfrm>
                 <a:off x="701824" y="1604628"/>
-                <a:ext cx="792088" cy="230748"/>
+                <a:ext cx="792088" cy="207280"/>
               </a:xfrm>
               <a:prstGeom prst="rect">
                 <a:avLst/>
               </a:prstGeom>
               <a:solidFill>
-                <a:schemeClr val="accent6">
-                  <a:lumMod val="20000"/>
-                  <a:lumOff val="80000"/>
+                <a:schemeClr val="bg1">
+                  <a:lumMod val="95000"/>
                 </a:schemeClr>
               </a:solidFill>
               <a:ln w="9525" cap="rnd">
@@ -2255,7 +2254,7 @@
                     </m:oMathParaPr>
                     <m:oMath xmlns:m="http://schemas.openxmlformats.org/officeDocument/2006/math">
                       <m:r>
-                        <a:rPr lang="en-US" altLang="ja-JP" sz="1200" b="0" i="1" smtClean="0">
+                        <a:rPr lang="en-US" altLang="ja-JP" sz="1050" b="0" i="1" smtClean="0">
                           <a:latin typeface="Cambria Math"/>
                           <a:ea typeface="ＭＳ ゴシック" pitchFamily="49" charset="-128"/>
                           <a:cs typeface="Courier New" pitchFamily="49" charset="0"/>
@@ -2265,7 +2264,7 @@
                       <m:sSub>
                         <m:sSubPr>
                           <m:ctrlPr>
-                            <a:rPr lang="en-US" altLang="ja-JP" sz="1200" b="0" i="1" smtClean="0">
+                            <a:rPr lang="en-US" altLang="ja-JP" sz="1050" b="0" i="1" smtClean="0">
                               <a:latin typeface="Cambria Math"/>
                               <a:ea typeface="ＭＳ ゴシック" pitchFamily="49" charset="-128"/>
                               <a:cs typeface="Courier New" pitchFamily="49" charset="0"/>
@@ -2274,7 +2273,7 @@
                         </m:sSubPr>
                         <m:e>
                           <m:r>
-                            <a:rPr lang="en-US" altLang="ja-JP" sz="1200" b="0" i="1" smtClean="0">
+                            <a:rPr lang="en-US" altLang="ja-JP" sz="1050" b="0" i="1" smtClean="0">
                               <a:latin typeface="Cambria Math"/>
                               <a:ea typeface="ＭＳ ゴシック" pitchFamily="49" charset="-128"/>
                               <a:cs typeface="Courier New" pitchFamily="49" charset="0"/>
@@ -2284,7 +2283,7 @@
                         </m:e>
                         <m:sub>
                           <m:r>
-                            <a:rPr lang="en-US" altLang="ja-JP" sz="1200" b="0" i="1" smtClean="0">
+                            <a:rPr lang="en-US" altLang="ja-JP" sz="1050" b="0" i="1" smtClean="0">
                               <a:latin typeface="Cambria Math"/>
                               <a:ea typeface="ＭＳ ゴシック" pitchFamily="49" charset="-128"/>
                               <a:cs typeface="Courier New" pitchFamily="49" charset="0"/>
@@ -2296,7 +2295,7 @@
                       <m:sSubSup>
                         <m:sSubSupPr>
                           <m:ctrlPr>
-                            <a:rPr lang="en-US" altLang="ja-JP" sz="1200" b="0" i="1" smtClean="0">
+                            <a:rPr lang="en-US" altLang="ja-JP" sz="1050" b="0" i="1" smtClean="0">
                               <a:latin typeface="Cambria Math"/>
                               <a:ea typeface="ＭＳ ゴシック" pitchFamily="49" charset="-128"/>
                               <a:cs typeface="Courier New" pitchFamily="49" charset="0"/>
@@ -2305,7 +2304,7 @@
                         </m:sSubSupPr>
                         <m:e>
                           <m:r>
-                            <a:rPr lang="en-US" altLang="ja-JP" sz="1200" b="0" i="1" smtClean="0">
+                            <a:rPr lang="en-US" altLang="ja-JP" sz="1050" b="0" i="1" smtClean="0">
                               <a:latin typeface="Cambria Math"/>
                               <a:ea typeface="ＭＳ ゴシック" pitchFamily="49" charset="-128"/>
                               <a:cs typeface="Courier New" pitchFamily="49" charset="0"/>
@@ -2313,7 +2312,7 @@
                             <m:t>  </m:t>
                           </m:r>
                           <m:r>
-                            <a:rPr lang="en-US" altLang="ja-JP" sz="1200" b="0" i="1" smtClean="0">
+                            <a:rPr lang="en-US" altLang="ja-JP" sz="1050" b="0" i="1" smtClean="0">
                               <a:latin typeface="Cambria Math"/>
                               <a:ea typeface="ＭＳ ゴシック" pitchFamily="49" charset="-128"/>
                               <a:cs typeface="Courier New" pitchFamily="49" charset="0"/>
@@ -2323,7 +2322,7 @@
                         </m:e>
                         <m:sub>
                           <m:r>
-                            <a:rPr lang="en-US" altLang="ja-JP" sz="1200" b="0" i="1" smtClean="0">
+                            <a:rPr lang="en-US" altLang="ja-JP" sz="1050" b="0" i="1" smtClean="0">
                               <a:latin typeface="Cambria Math"/>
                               <a:ea typeface="ＭＳ ゴシック" pitchFamily="49" charset="-128"/>
                               <a:cs typeface="Courier New" pitchFamily="49" charset="0"/>
@@ -2333,7 +2332,7 @@
                         </m:sub>
                         <m:sup>
                           <m:r>
-                            <a:rPr lang="en-US" altLang="ja-JP" sz="1200" b="0" i="1" smtClean="0">
+                            <a:rPr lang="en-US" altLang="ja-JP" sz="1050" b="0" i="1" smtClean="0">
                               <a:latin typeface="Cambria Math"/>
                               <a:ea typeface="ＭＳ ゴシック" pitchFamily="49" charset="-128"/>
                               <a:cs typeface="Courier New" pitchFamily="49" charset="0"/>
@@ -2345,7 +2344,7 @@
                     </m:oMath>
                   </m:oMathPara>
                 </a14:m>
-                <a:endParaRPr lang="ja-JP" altLang="en-US" sz="1200">
+                <a:endParaRPr lang="ja-JP" altLang="en-US" sz="1050">
                   <a:latin typeface="Courier New" pitchFamily="49" charset="0"/>
                   <a:ea typeface="ＭＳ ゴシック" pitchFamily="49" charset="-128"/>
                   <a:cs typeface="Courier New" pitchFamily="49" charset="0"/>
@@ -2366,7 +2365,7 @@
             <p:spPr>
               <a:xfrm>
                 <a:off x="701824" y="1604628"/>
-                <a:ext cx="792088" cy="230748"/>
+                <a:ext cx="792088" cy="207280"/>
               </a:xfrm>
               <a:prstGeom prst="rect">
                 <a:avLst/>
@@ -2410,16 +2409,13 @@
             <p:spPr>
               <a:xfrm>
                 <a:off x="701824" y="1871228"/>
-                <a:ext cx="792088" cy="231645"/>
+                <a:ext cx="792088" cy="208114"/>
               </a:xfrm>
               <a:prstGeom prst="rect">
                 <a:avLst/>
               </a:prstGeom>
               <a:solidFill>
-                <a:schemeClr val="accent6">
-                  <a:lumMod val="40000"/>
-                  <a:lumOff val="60000"/>
-                </a:schemeClr>
+                <a:schemeClr val="bg1"/>
               </a:solidFill>
               <a:ln w="9525" cap="rnd">
                 <a:solidFill>
@@ -2442,7 +2438,7 @@
                     </m:oMathParaPr>
                     <m:oMath xmlns:m="http://schemas.openxmlformats.org/officeDocument/2006/math">
                       <m:r>
-                        <a:rPr lang="en-US" altLang="ja-JP" sz="1200" b="0" i="1" smtClean="0">
+                        <a:rPr lang="en-US" altLang="ja-JP" sz="1050" b="0" i="1" smtClean="0">
                           <a:latin typeface="Cambria Math"/>
                           <a:ea typeface="ＭＳ ゴシック" pitchFamily="49" charset="-128"/>
                           <a:cs typeface="Courier New" pitchFamily="49" charset="0"/>
@@ -2452,7 +2448,7 @@
                       <m:sSub>
                         <m:sSubPr>
                           <m:ctrlPr>
-                            <a:rPr lang="en-US" altLang="ja-JP" sz="1200" b="0" i="1" smtClean="0">
+                            <a:rPr lang="en-US" altLang="ja-JP" sz="1050" b="0" i="1" smtClean="0">
                               <a:latin typeface="Cambria Math"/>
                               <a:ea typeface="ＭＳ ゴシック" pitchFamily="49" charset="-128"/>
                               <a:cs typeface="Courier New" pitchFamily="49" charset="0"/>
@@ -2461,7 +2457,7 @@
                         </m:sSubPr>
                         <m:e>
                           <m:r>
-                            <a:rPr lang="en-US" altLang="ja-JP" sz="1200" b="0" i="1" smtClean="0">
+                            <a:rPr lang="en-US" altLang="ja-JP" sz="1050" b="0" i="1" smtClean="0">
                               <a:latin typeface="Cambria Math"/>
                               <a:ea typeface="ＭＳ ゴシック" pitchFamily="49" charset="-128"/>
                               <a:cs typeface="Courier New" pitchFamily="49" charset="0"/>
@@ -2471,7 +2467,7 @@
                         </m:e>
                         <m:sub>
                           <m:r>
-                            <a:rPr lang="en-US" altLang="ja-JP" sz="1200" b="0" i="1" smtClean="0">
+                            <a:rPr lang="en-US" altLang="ja-JP" sz="1050" b="0" i="1" smtClean="0">
                               <a:latin typeface="Cambria Math"/>
                               <a:ea typeface="ＭＳ ゴシック" pitchFamily="49" charset="-128"/>
                               <a:cs typeface="Courier New" pitchFamily="49" charset="0"/>
@@ -2483,7 +2479,7 @@
                       <m:sSubSup>
                         <m:sSubSupPr>
                           <m:ctrlPr>
-                            <a:rPr lang="en-US" altLang="ja-JP" sz="1200" b="0" i="1" smtClean="0">
+                            <a:rPr lang="en-US" altLang="ja-JP" sz="1050" b="0" i="1" smtClean="0">
                               <a:latin typeface="Cambria Math"/>
                               <a:ea typeface="ＭＳ ゴシック" pitchFamily="49" charset="-128"/>
                               <a:cs typeface="Courier New" pitchFamily="49" charset="0"/>
@@ -2492,7 +2488,7 @@
                         </m:sSubSupPr>
                         <m:e>
                           <m:r>
-                            <a:rPr lang="en-US" altLang="ja-JP" sz="1200" b="0" i="1" smtClean="0">
+                            <a:rPr lang="en-US" altLang="ja-JP" sz="1050" b="0" i="1" smtClean="0">
                               <a:latin typeface="Cambria Math"/>
                               <a:ea typeface="ＭＳ ゴシック" pitchFamily="49" charset="-128"/>
                               <a:cs typeface="Courier New" pitchFamily="49" charset="0"/>
@@ -2500,7 +2496,7 @@
                             <m:t>  </m:t>
                           </m:r>
                           <m:r>
-                            <a:rPr lang="en-US" altLang="ja-JP" sz="1200" b="0" i="1" smtClean="0">
+                            <a:rPr lang="en-US" altLang="ja-JP" sz="1050" b="0" i="1" smtClean="0">
                               <a:latin typeface="Cambria Math"/>
                               <a:ea typeface="ＭＳ ゴシック" pitchFamily="49" charset="-128"/>
                               <a:cs typeface="Courier New" pitchFamily="49" charset="0"/>
@@ -2510,7 +2506,7 @@
                         </m:e>
                         <m:sub>
                           <m:r>
-                            <a:rPr lang="en-US" altLang="ja-JP" sz="1200" b="0" i="1" smtClean="0">
+                            <a:rPr lang="en-US" altLang="ja-JP" sz="1050" b="0" i="1" smtClean="0">
                               <a:latin typeface="Cambria Math"/>
                               <a:ea typeface="ＭＳ ゴシック" pitchFamily="49" charset="-128"/>
                               <a:cs typeface="Courier New" pitchFamily="49" charset="0"/>
@@ -2520,7 +2516,7 @@
                         </m:sub>
                         <m:sup>
                           <m:r>
-                            <a:rPr lang="en-US" altLang="ja-JP" sz="1200" b="0" i="1" smtClean="0">
+                            <a:rPr lang="en-US" altLang="ja-JP" sz="1050" b="0" i="1" smtClean="0">
                               <a:latin typeface="Cambria Math"/>
                               <a:ea typeface="ＭＳ ゴシック" pitchFamily="49" charset="-128"/>
                               <a:cs typeface="Courier New" pitchFamily="49" charset="0"/>
@@ -2532,7 +2528,7 @@
                     </m:oMath>
                   </m:oMathPara>
                 </a14:m>
-                <a:endParaRPr lang="ja-JP" altLang="en-US" sz="1200">
+                <a:endParaRPr lang="ja-JP" altLang="en-US" sz="1050">
                   <a:latin typeface="Courier New" pitchFamily="49" charset="0"/>
                   <a:ea typeface="ＭＳ ゴシック" pitchFamily="49" charset="-128"/>
                   <a:cs typeface="Courier New" pitchFamily="49" charset="0"/>
@@ -2553,7 +2549,7 @@
             <p:spPr>
               <a:xfrm>
                 <a:off x="701824" y="1871228"/>
-                <a:ext cx="792088" cy="231645"/>
+                <a:ext cx="792088" cy="208114"/>
               </a:xfrm>
               <a:prstGeom prst="rect">
                 <a:avLst/>
@@ -2597,15 +2593,14 @@
             <p:spPr>
               <a:xfrm>
                 <a:off x="701824" y="2133972"/>
-                <a:ext cx="792088" cy="230171"/>
+                <a:ext cx="792088" cy="206831"/>
               </a:xfrm>
               <a:prstGeom prst="rect">
                 <a:avLst/>
               </a:prstGeom>
               <a:solidFill>
-                <a:schemeClr val="accent6">
-                  <a:lumMod val="60000"/>
-                  <a:lumOff val="40000"/>
+                <a:schemeClr val="bg1">
+                  <a:lumMod val="85000"/>
                 </a:schemeClr>
               </a:solidFill>
               <a:ln w="9525" cap="rnd">
@@ -2629,7 +2624,7 @@
                     </m:oMathParaPr>
                     <m:oMath xmlns:m="http://schemas.openxmlformats.org/officeDocument/2006/math">
                       <m:r>
-                        <a:rPr lang="en-US" altLang="ja-JP" sz="1200" b="0" i="1" smtClean="0">
+                        <a:rPr lang="en-US" altLang="ja-JP" sz="1050" b="0" i="1" smtClean="0">
                           <a:latin typeface="Cambria Math"/>
                           <a:ea typeface="ＭＳ ゴシック" pitchFamily="49" charset="-128"/>
                           <a:cs typeface="Courier New" pitchFamily="49" charset="0"/>
@@ -2639,7 +2634,7 @@
                       <m:sSub>
                         <m:sSubPr>
                           <m:ctrlPr>
-                            <a:rPr lang="en-US" altLang="ja-JP" sz="1200" b="0" i="1" smtClean="0">
+                            <a:rPr lang="en-US" altLang="ja-JP" sz="1050" b="0" i="1" smtClean="0">
                               <a:latin typeface="Cambria Math"/>
                               <a:ea typeface="ＭＳ ゴシック" pitchFamily="49" charset="-128"/>
                               <a:cs typeface="Courier New" pitchFamily="49" charset="0"/>
@@ -2648,7 +2643,7 @@
                         </m:sSubPr>
                         <m:e>
                           <m:r>
-                            <a:rPr lang="en-US" altLang="ja-JP" sz="1200" b="0" i="1" smtClean="0">
+                            <a:rPr lang="en-US" altLang="ja-JP" sz="1050" b="0" i="1" smtClean="0">
                               <a:latin typeface="Cambria Math"/>
                               <a:ea typeface="ＭＳ ゴシック" pitchFamily="49" charset="-128"/>
                               <a:cs typeface="Courier New" pitchFamily="49" charset="0"/>
@@ -2658,7 +2653,7 @@
                         </m:e>
                         <m:sub>
                           <m:r>
-                            <a:rPr lang="en-US" altLang="ja-JP" sz="1200" b="0" i="1" smtClean="0">
+                            <a:rPr lang="en-US" altLang="ja-JP" sz="1050" b="0" i="1" smtClean="0">
                               <a:latin typeface="Cambria Math"/>
                               <a:ea typeface="ＭＳ ゴシック" pitchFamily="49" charset="-128"/>
                               <a:cs typeface="Courier New" pitchFamily="49" charset="0"/>
@@ -2670,7 +2665,7 @@
                       <m:sSubSup>
                         <m:sSubSupPr>
                           <m:ctrlPr>
-                            <a:rPr lang="en-US" altLang="ja-JP" sz="1200" b="0" i="1" smtClean="0">
+                            <a:rPr lang="en-US" altLang="ja-JP" sz="1050" b="0" i="1" smtClean="0">
                               <a:latin typeface="Cambria Math"/>
                               <a:ea typeface="ＭＳ ゴシック" pitchFamily="49" charset="-128"/>
                               <a:cs typeface="Courier New" pitchFamily="49" charset="0"/>
@@ -2679,7 +2674,7 @@
                         </m:sSubSupPr>
                         <m:e>
                           <m:r>
-                            <a:rPr lang="en-US" altLang="ja-JP" sz="1200" b="0" i="1" smtClean="0">
+                            <a:rPr lang="en-US" altLang="ja-JP" sz="1050" b="0" i="1" smtClean="0">
                               <a:latin typeface="Cambria Math"/>
                               <a:ea typeface="ＭＳ ゴシック" pitchFamily="49" charset="-128"/>
                               <a:cs typeface="Courier New" pitchFamily="49" charset="0"/>
@@ -2687,7 +2682,7 @@
                             <m:t>  </m:t>
                           </m:r>
                           <m:r>
-                            <a:rPr lang="en-US" altLang="ja-JP" sz="1200" b="0" i="1" smtClean="0">
+                            <a:rPr lang="en-US" altLang="ja-JP" sz="1050" b="0" i="1" smtClean="0">
                               <a:latin typeface="Cambria Math"/>
                               <a:ea typeface="ＭＳ ゴシック" pitchFamily="49" charset="-128"/>
                               <a:cs typeface="Courier New" pitchFamily="49" charset="0"/>
@@ -2697,7 +2692,7 @@
                         </m:e>
                         <m:sub>
                           <m:r>
-                            <a:rPr lang="en-US" altLang="ja-JP" sz="1200" b="0" i="1" smtClean="0">
+                            <a:rPr lang="en-US" altLang="ja-JP" sz="1050" b="0" i="1" smtClean="0">
                               <a:latin typeface="Cambria Math"/>
                               <a:ea typeface="ＭＳ ゴシック" pitchFamily="49" charset="-128"/>
                               <a:cs typeface="Courier New" pitchFamily="49" charset="0"/>
@@ -2707,7 +2702,7 @@
                         </m:sub>
                         <m:sup>
                           <m:r>
-                            <a:rPr lang="en-US" altLang="ja-JP" sz="1200" b="0" i="1" smtClean="0">
+                            <a:rPr lang="en-US" altLang="ja-JP" sz="1050" b="0" i="1" smtClean="0">
                               <a:latin typeface="Cambria Math"/>
                               <a:ea typeface="ＭＳ ゴシック" pitchFamily="49" charset="-128"/>
                               <a:cs typeface="Courier New" pitchFamily="49" charset="0"/>
@@ -2719,7 +2714,7 @@
                     </m:oMath>
                   </m:oMathPara>
                 </a14:m>
-                <a:endParaRPr lang="ja-JP" altLang="en-US" sz="1200">
+                <a:endParaRPr lang="ja-JP" altLang="en-US" sz="1050">
                   <a:latin typeface="Courier New" pitchFamily="49" charset="0"/>
                   <a:ea typeface="ＭＳ ゴシック" pitchFamily="49" charset="-128"/>
                   <a:cs typeface="Courier New" pitchFamily="49" charset="0"/>
@@ -2740,7 +2735,7 @@
             <p:spPr>
               <a:xfrm>
                 <a:off x="701824" y="2133972"/>
-                <a:ext cx="792088" cy="230171"/>
+                <a:ext cx="792088" cy="206831"/>
               </a:xfrm>
               <a:prstGeom prst="rect">
                 <a:avLst/>
@@ -2784,13 +2779,13 @@
             <p:spPr>
               <a:xfrm>
                 <a:off x="701824" y="2396716"/>
-                <a:ext cx="792088" cy="234531"/>
+                <a:ext cx="792088" cy="210614"/>
               </a:xfrm>
               <a:prstGeom prst="rect">
                 <a:avLst/>
               </a:prstGeom>
               <a:solidFill>
-                <a:schemeClr val="accent6">
+                <a:schemeClr val="bg1">
                   <a:lumMod val="75000"/>
                 </a:schemeClr>
               </a:solidFill>
@@ -2815,7 +2810,7 @@
                     </m:oMathParaPr>
                     <m:oMath xmlns:m="http://schemas.openxmlformats.org/officeDocument/2006/math">
                       <m:r>
-                        <a:rPr lang="en-US" altLang="ja-JP" sz="1200" b="0" i="1" smtClean="0">
+                        <a:rPr lang="en-US" altLang="ja-JP" sz="1050" b="0" i="1" smtClean="0">
                           <a:latin typeface="Cambria Math"/>
                           <a:ea typeface="ＭＳ ゴシック" pitchFamily="49" charset="-128"/>
                           <a:cs typeface="Courier New" pitchFamily="49" charset="0"/>
@@ -2825,7 +2820,7 @@
                       <m:sSub>
                         <m:sSubPr>
                           <m:ctrlPr>
-                            <a:rPr lang="en-US" altLang="ja-JP" sz="1200" b="0" i="1" smtClean="0">
+                            <a:rPr lang="en-US" altLang="ja-JP" sz="1050" b="0" i="1" smtClean="0">
                               <a:latin typeface="Cambria Math"/>
                               <a:ea typeface="ＭＳ ゴシック" pitchFamily="49" charset="-128"/>
                               <a:cs typeface="Courier New" pitchFamily="49" charset="0"/>
@@ -2834,7 +2829,7 @@
                         </m:sSubPr>
                         <m:e>
                           <m:r>
-                            <a:rPr lang="en-US" altLang="ja-JP" sz="1200" b="0" i="1" smtClean="0">
+                            <a:rPr lang="en-US" altLang="ja-JP" sz="1050" b="0" i="1" smtClean="0">
                               <a:latin typeface="Cambria Math"/>
                               <a:ea typeface="ＭＳ ゴシック" pitchFamily="49" charset="-128"/>
                               <a:cs typeface="Courier New" pitchFamily="49" charset="0"/>
@@ -2844,7 +2839,7 @@
                         </m:e>
                         <m:sub>
                           <m:r>
-                            <a:rPr lang="en-US" altLang="ja-JP" sz="1200" b="0" i="1" smtClean="0">
+                            <a:rPr lang="en-US" altLang="ja-JP" sz="1050" b="0" i="1" smtClean="0">
                               <a:latin typeface="Cambria Math"/>
                               <a:ea typeface="ＭＳ ゴシック" pitchFamily="49" charset="-128"/>
                               <a:cs typeface="Courier New" pitchFamily="49" charset="0"/>
@@ -2856,7 +2851,7 @@
                       <m:sSubSup>
                         <m:sSubSupPr>
                           <m:ctrlPr>
-                            <a:rPr lang="en-US" altLang="ja-JP" sz="1200" b="0" i="1" smtClean="0">
+                            <a:rPr lang="en-US" altLang="ja-JP" sz="1050" b="0" i="1" smtClean="0">
                               <a:latin typeface="Cambria Math"/>
                               <a:ea typeface="ＭＳ ゴシック" pitchFamily="49" charset="-128"/>
                               <a:cs typeface="Courier New" pitchFamily="49" charset="0"/>
@@ -2865,7 +2860,7 @@
                         </m:sSubSupPr>
                         <m:e>
                           <m:r>
-                            <a:rPr lang="en-US" altLang="ja-JP" sz="1200" b="0" i="1" smtClean="0">
+                            <a:rPr lang="en-US" altLang="ja-JP" sz="1050" b="0" i="1" smtClean="0">
                               <a:latin typeface="Cambria Math"/>
                               <a:ea typeface="ＭＳ ゴシック" pitchFamily="49" charset="-128"/>
                               <a:cs typeface="Courier New" pitchFamily="49" charset="0"/>
@@ -2873,7 +2868,7 @@
                             <m:t>  </m:t>
                           </m:r>
                           <m:r>
-                            <a:rPr lang="en-US" altLang="ja-JP" sz="1200" b="0" i="1" smtClean="0">
+                            <a:rPr lang="en-US" altLang="ja-JP" sz="1050" b="0" i="1" smtClean="0">
                               <a:latin typeface="Cambria Math"/>
                               <a:ea typeface="ＭＳ ゴシック" pitchFamily="49" charset="-128"/>
                               <a:cs typeface="Courier New" pitchFamily="49" charset="0"/>
@@ -2883,7 +2878,7 @@
                         </m:e>
                         <m:sub>
                           <m:r>
-                            <a:rPr lang="en-US" altLang="ja-JP" sz="1200" b="0" i="1" smtClean="0">
+                            <a:rPr lang="en-US" altLang="ja-JP" sz="1050" b="0" i="1" smtClean="0">
                               <a:latin typeface="Cambria Math"/>
                               <a:ea typeface="ＭＳ ゴシック" pitchFamily="49" charset="-128"/>
                               <a:cs typeface="Courier New" pitchFamily="49" charset="0"/>
@@ -2893,7 +2888,7 @@
                         </m:sub>
                         <m:sup>
                           <m:r>
-                            <a:rPr lang="en-US" altLang="ja-JP" sz="1200" b="0" i="1" smtClean="0">
+                            <a:rPr lang="en-US" altLang="ja-JP" sz="1050" b="0" i="1" smtClean="0">
                               <a:latin typeface="Cambria Math"/>
                               <a:ea typeface="ＭＳ ゴシック" pitchFamily="49" charset="-128"/>
                               <a:cs typeface="Courier New" pitchFamily="49" charset="0"/>
@@ -2905,7 +2900,7 @@
                     </m:oMath>
                   </m:oMathPara>
                 </a14:m>
-                <a:endParaRPr lang="ja-JP" altLang="en-US" sz="1200">
+                <a:endParaRPr lang="ja-JP" altLang="en-US" sz="1050">
                   <a:latin typeface="Courier New" pitchFamily="49" charset="0"/>
                   <a:ea typeface="ＭＳ ゴシック" pitchFamily="49" charset="-128"/>
                   <a:cs typeface="Courier New" pitchFamily="49" charset="0"/>
@@ -2926,7 +2921,7 @@
             <p:spPr>
               <a:xfrm>
                 <a:off x="701824" y="2396716"/>
-                <a:ext cx="792088" cy="234531"/>
+                <a:ext cx="792088" cy="210614"/>
               </a:xfrm>
               <a:prstGeom prst="rect">
                 <a:avLst/>
@@ -2970,7 +2965,7 @@
             <p:spPr>
               <a:xfrm>
                 <a:off x="1997968" y="1125860"/>
-                <a:ext cx="792088" cy="230363"/>
+                <a:ext cx="792088" cy="207023"/>
               </a:xfrm>
               <a:prstGeom prst="rect">
                 <a:avLst/>
@@ -2997,7 +2992,7 @@
                     </m:oMathParaPr>
                     <m:oMath xmlns:m="http://schemas.openxmlformats.org/officeDocument/2006/math">
                       <m:r>
-                        <a:rPr lang="en-US" altLang="ja-JP" sz="1200" b="0" i="1" smtClean="0">
+                        <a:rPr lang="en-US" altLang="ja-JP" sz="1050" b="0" i="1" smtClean="0">
                           <a:latin typeface="Cambria Math"/>
                           <a:ea typeface="ＭＳ ゴシック" pitchFamily="49" charset="-128"/>
                           <a:cs typeface="Courier New" pitchFamily="49" charset="0"/>
@@ -3007,7 +3002,7 @@
                       <m:sSub>
                         <m:sSubPr>
                           <m:ctrlPr>
-                            <a:rPr lang="en-US" altLang="ja-JP" sz="1200" b="0" i="1" smtClean="0">
+                            <a:rPr lang="en-US" altLang="ja-JP" sz="1050" b="0" i="1" smtClean="0">
                               <a:latin typeface="Cambria Math"/>
                               <a:ea typeface="ＭＳ ゴシック" pitchFamily="49" charset="-128"/>
                               <a:cs typeface="Courier New" pitchFamily="49" charset="0"/>
@@ -3016,7 +3011,7 @@
                         </m:sSubPr>
                         <m:e>
                           <m:r>
-                            <a:rPr lang="en-US" altLang="ja-JP" sz="1200" b="0" i="1" smtClean="0">
+                            <a:rPr lang="en-US" altLang="ja-JP" sz="1050" b="0" i="1" smtClean="0">
                               <a:latin typeface="Cambria Math"/>
                               <a:ea typeface="ＭＳ ゴシック" pitchFamily="49" charset="-128"/>
                               <a:cs typeface="Courier New" pitchFamily="49" charset="0"/>
@@ -3026,7 +3021,7 @@
                         </m:e>
                         <m:sub>
                           <m:r>
-                            <a:rPr lang="en-US" altLang="ja-JP" sz="1200" b="0" i="1" smtClean="0">
+                            <a:rPr lang="en-US" altLang="ja-JP" sz="1050" b="0" i="1" smtClean="0">
                               <a:latin typeface="Cambria Math"/>
                               <a:ea typeface="ＭＳ ゴシック" pitchFamily="49" charset="-128"/>
                               <a:cs typeface="Courier New" pitchFamily="49" charset="0"/>
@@ -3038,7 +3033,7 @@
                       <m:sSubSup>
                         <m:sSubSupPr>
                           <m:ctrlPr>
-                            <a:rPr lang="en-US" altLang="ja-JP" sz="1200" b="0" i="1" smtClean="0">
+                            <a:rPr lang="en-US" altLang="ja-JP" sz="1050" b="0" i="1" smtClean="0">
                               <a:latin typeface="Cambria Math"/>
                               <a:ea typeface="ＭＳ ゴシック" pitchFamily="49" charset="-128"/>
                               <a:cs typeface="Courier New" pitchFamily="49" charset="0"/>
@@ -3047,7 +3042,7 @@
                         </m:sSubSupPr>
                         <m:e>
                           <m:r>
-                            <a:rPr lang="en-US" altLang="ja-JP" sz="1200" b="0" i="1" smtClean="0">
+                            <a:rPr lang="en-US" altLang="ja-JP" sz="1050" b="0" i="1" smtClean="0">
                               <a:latin typeface="Cambria Math"/>
                               <a:ea typeface="ＭＳ ゴシック" pitchFamily="49" charset="-128"/>
                               <a:cs typeface="Courier New" pitchFamily="49" charset="0"/>
@@ -3055,7 +3050,7 @@
                             <m:t>  </m:t>
                           </m:r>
                           <m:r>
-                            <a:rPr lang="en-US" altLang="ja-JP" sz="1200" b="0" i="1" smtClean="0">
+                            <a:rPr lang="en-US" altLang="ja-JP" sz="1050" b="0" i="1" smtClean="0">
                               <a:latin typeface="Cambria Math"/>
                               <a:ea typeface="ＭＳ ゴシック" pitchFamily="49" charset="-128"/>
                               <a:cs typeface="Courier New" pitchFamily="49" charset="0"/>
@@ -3065,7 +3060,7 @@
                         </m:e>
                         <m:sub>
                           <m:r>
-                            <a:rPr lang="en-US" altLang="ja-JP" sz="1200" b="0" i="1" smtClean="0">
+                            <a:rPr lang="en-US" altLang="ja-JP" sz="1050" b="0" i="1" smtClean="0">
                               <a:latin typeface="Cambria Math"/>
                               <a:ea typeface="ＭＳ ゴシック" pitchFamily="49" charset="-128"/>
                               <a:cs typeface="Courier New" pitchFamily="49" charset="0"/>
@@ -3075,7 +3070,7 @@
                         </m:sub>
                         <m:sup>
                           <m:r>
-                            <a:rPr lang="en-US" altLang="ja-JP" sz="1200" b="0" i="1" smtClean="0">
+                            <a:rPr lang="en-US" altLang="ja-JP" sz="1050" b="0" i="1" smtClean="0">
                               <a:latin typeface="Cambria Math"/>
                               <a:ea typeface="ＭＳ ゴシック" pitchFamily="49" charset="-128"/>
                               <a:cs typeface="Courier New" pitchFamily="49" charset="0"/>
@@ -3087,7 +3082,7 @@
                     </m:oMath>
                   </m:oMathPara>
                 </a14:m>
-                <a:endParaRPr lang="ja-JP" altLang="en-US" sz="1200">
+                <a:endParaRPr lang="ja-JP" altLang="en-US" sz="1050">
                   <a:latin typeface="Courier New" pitchFamily="49" charset="0"/>
                   <a:ea typeface="ＭＳ ゴシック" pitchFamily="49" charset="-128"/>
                   <a:cs typeface="Courier New" pitchFamily="49" charset="0"/>
@@ -3108,7 +3103,7 @@
             <p:spPr>
               <a:xfrm>
                 <a:off x="1997968" y="1125860"/>
-                <a:ext cx="792088" cy="230363"/>
+                <a:ext cx="792088" cy="207023"/>
               </a:xfrm>
               <a:prstGeom prst="rect">
                 <a:avLst/>
@@ -3152,15 +3147,14 @@
             <p:spPr>
               <a:xfrm>
                 <a:off x="1997968" y="1388604"/>
-                <a:ext cx="792088" cy="230748"/>
+                <a:ext cx="792088" cy="207280"/>
               </a:xfrm>
               <a:prstGeom prst="rect">
                 <a:avLst/>
               </a:prstGeom>
               <a:solidFill>
-                <a:schemeClr val="accent6">
-                  <a:lumMod val="20000"/>
-                  <a:lumOff val="80000"/>
+                <a:schemeClr val="bg1">
+                  <a:lumMod val="95000"/>
                 </a:schemeClr>
               </a:solidFill>
               <a:ln w="9525" cap="rnd">
@@ -3184,7 +3178,7 @@
                     </m:oMathParaPr>
                     <m:oMath xmlns:m="http://schemas.openxmlformats.org/officeDocument/2006/math">
                       <m:r>
-                        <a:rPr lang="en-US" altLang="ja-JP" sz="1200" b="0" i="1" smtClean="0">
+                        <a:rPr lang="en-US" altLang="ja-JP" sz="1050" b="0" i="1" smtClean="0">
                           <a:latin typeface="Cambria Math"/>
                           <a:ea typeface="ＭＳ ゴシック" pitchFamily="49" charset="-128"/>
                           <a:cs typeface="Courier New" pitchFamily="49" charset="0"/>
@@ -3194,7 +3188,7 @@
                       <m:sSub>
                         <m:sSubPr>
                           <m:ctrlPr>
-                            <a:rPr lang="en-US" altLang="ja-JP" sz="1200" b="0" i="1" smtClean="0">
+                            <a:rPr lang="en-US" altLang="ja-JP" sz="1050" b="0" i="1" smtClean="0">
                               <a:latin typeface="Cambria Math"/>
                               <a:ea typeface="ＭＳ ゴシック" pitchFamily="49" charset="-128"/>
                               <a:cs typeface="Courier New" pitchFamily="49" charset="0"/>
@@ -3203,7 +3197,7 @@
                         </m:sSubPr>
                         <m:e>
                           <m:r>
-                            <a:rPr lang="en-US" altLang="ja-JP" sz="1200" b="0" i="1" smtClean="0">
+                            <a:rPr lang="en-US" altLang="ja-JP" sz="1050" b="0" i="1" smtClean="0">
                               <a:latin typeface="Cambria Math"/>
                               <a:ea typeface="ＭＳ ゴシック" pitchFamily="49" charset="-128"/>
                               <a:cs typeface="Courier New" pitchFamily="49" charset="0"/>
@@ -3213,7 +3207,7 @@
                         </m:e>
                         <m:sub>
                           <m:r>
-                            <a:rPr lang="en-US" altLang="ja-JP" sz="1200" b="0" i="1" smtClean="0">
+                            <a:rPr lang="en-US" altLang="ja-JP" sz="1050" b="0" i="1" smtClean="0">
                               <a:latin typeface="Cambria Math"/>
                               <a:ea typeface="ＭＳ ゴシック" pitchFamily="49" charset="-128"/>
                               <a:cs typeface="Courier New" pitchFamily="49" charset="0"/>
@@ -3225,7 +3219,7 @@
                       <m:sSubSup>
                         <m:sSubSupPr>
                           <m:ctrlPr>
-                            <a:rPr lang="en-US" altLang="ja-JP" sz="1200" b="0" i="1" smtClean="0">
+                            <a:rPr lang="en-US" altLang="ja-JP" sz="1050" b="0" i="1" smtClean="0">
                               <a:latin typeface="Cambria Math"/>
                               <a:ea typeface="ＭＳ ゴシック" pitchFamily="49" charset="-128"/>
                               <a:cs typeface="Courier New" pitchFamily="49" charset="0"/>
@@ -3234,7 +3228,7 @@
                         </m:sSubSupPr>
                         <m:e>
                           <m:r>
-                            <a:rPr lang="en-US" altLang="ja-JP" sz="1200" b="0" i="1" smtClean="0">
+                            <a:rPr lang="en-US" altLang="ja-JP" sz="1050" b="0" i="1" smtClean="0">
                               <a:latin typeface="Cambria Math"/>
                               <a:ea typeface="ＭＳ ゴシック" pitchFamily="49" charset="-128"/>
                               <a:cs typeface="Courier New" pitchFamily="49" charset="0"/>
@@ -3242,7 +3236,7 @@
                             <m:t>  </m:t>
                           </m:r>
                           <m:r>
-                            <a:rPr lang="en-US" altLang="ja-JP" sz="1200" b="0" i="1" smtClean="0">
+                            <a:rPr lang="en-US" altLang="ja-JP" sz="1050" b="0" i="1" smtClean="0">
                               <a:latin typeface="Cambria Math"/>
                               <a:ea typeface="ＭＳ ゴシック" pitchFamily="49" charset="-128"/>
                               <a:cs typeface="Courier New" pitchFamily="49" charset="0"/>
@@ -3252,7 +3246,7 @@
                         </m:e>
                         <m:sub>
                           <m:r>
-                            <a:rPr lang="en-US" altLang="ja-JP" sz="1200" b="0" i="1" smtClean="0">
+                            <a:rPr lang="en-US" altLang="ja-JP" sz="1050" b="0" i="1" smtClean="0">
                               <a:latin typeface="Cambria Math"/>
                               <a:ea typeface="ＭＳ ゴシック" pitchFamily="49" charset="-128"/>
                               <a:cs typeface="Courier New" pitchFamily="49" charset="0"/>
@@ -3262,7 +3256,7 @@
                         </m:sub>
                         <m:sup>
                           <m:r>
-                            <a:rPr lang="en-US" altLang="ja-JP" sz="1200" b="0" i="1" smtClean="0">
+                            <a:rPr lang="en-US" altLang="ja-JP" sz="1050" b="0" i="1" smtClean="0">
                               <a:latin typeface="Cambria Math"/>
                               <a:ea typeface="ＭＳ ゴシック" pitchFamily="49" charset="-128"/>
                               <a:cs typeface="Courier New" pitchFamily="49" charset="0"/>
@@ -3274,7 +3268,7 @@
                     </m:oMath>
                   </m:oMathPara>
                 </a14:m>
-                <a:endParaRPr lang="ja-JP" altLang="en-US" sz="1200">
+                <a:endParaRPr lang="ja-JP" altLang="en-US" sz="1050">
                   <a:latin typeface="Courier New" pitchFamily="49" charset="0"/>
                   <a:ea typeface="ＭＳ ゴシック" pitchFamily="49" charset="-128"/>
                   <a:cs typeface="Courier New" pitchFamily="49" charset="0"/>
@@ -3295,7 +3289,7 @@
             <p:spPr>
               <a:xfrm>
                 <a:off x="1997968" y="1388604"/>
-                <a:ext cx="792088" cy="230748"/>
+                <a:ext cx="792088" cy="207280"/>
               </a:xfrm>
               <a:prstGeom prst="rect">
                 <a:avLst/>
@@ -3339,15 +3333,14 @@
             <p:spPr>
               <a:xfrm>
                 <a:off x="1997968" y="1655204"/>
-                <a:ext cx="792088" cy="230171"/>
+                <a:ext cx="792088" cy="206831"/>
               </a:xfrm>
               <a:prstGeom prst="rect">
                 <a:avLst/>
               </a:prstGeom>
               <a:solidFill>
-                <a:schemeClr val="accent6">
-                  <a:lumMod val="60000"/>
-                  <a:lumOff val="40000"/>
+                <a:schemeClr val="bg1">
+                  <a:lumMod val="85000"/>
                 </a:schemeClr>
               </a:solidFill>
               <a:ln w="9525" cap="rnd">
@@ -3371,7 +3364,7 @@
                     </m:oMathParaPr>
                     <m:oMath xmlns:m="http://schemas.openxmlformats.org/officeDocument/2006/math">
                       <m:r>
-                        <a:rPr lang="en-US" altLang="ja-JP" sz="1200" b="0" i="1" smtClean="0">
+                        <a:rPr lang="en-US" altLang="ja-JP" sz="1050" b="0" i="1" smtClean="0">
                           <a:latin typeface="Cambria Math"/>
                           <a:ea typeface="ＭＳ ゴシック" pitchFamily="49" charset="-128"/>
                           <a:cs typeface="Courier New" pitchFamily="49" charset="0"/>
@@ -3381,7 +3374,7 @@
                       <m:sSub>
                         <m:sSubPr>
                           <m:ctrlPr>
-                            <a:rPr lang="en-US" altLang="ja-JP" sz="1200" b="0" i="1" smtClean="0">
+                            <a:rPr lang="en-US" altLang="ja-JP" sz="1050" b="0" i="1" smtClean="0">
                               <a:latin typeface="Cambria Math"/>
                               <a:ea typeface="ＭＳ ゴシック" pitchFamily="49" charset="-128"/>
                               <a:cs typeface="Courier New" pitchFamily="49" charset="0"/>
@@ -3390,7 +3383,7 @@
                         </m:sSubPr>
                         <m:e>
                           <m:r>
-                            <a:rPr lang="en-US" altLang="ja-JP" sz="1200" b="0" i="1" smtClean="0">
+                            <a:rPr lang="en-US" altLang="ja-JP" sz="1050" b="0" i="1" smtClean="0">
                               <a:latin typeface="Cambria Math"/>
                               <a:ea typeface="ＭＳ ゴシック" pitchFamily="49" charset="-128"/>
                               <a:cs typeface="Courier New" pitchFamily="49" charset="0"/>
@@ -3400,7 +3393,7 @@
                         </m:e>
                         <m:sub>
                           <m:r>
-                            <a:rPr lang="en-US" altLang="ja-JP" sz="1200" b="0" i="1" smtClean="0">
+                            <a:rPr lang="en-US" altLang="ja-JP" sz="1050" b="0" i="1" smtClean="0">
                               <a:latin typeface="Cambria Math"/>
                               <a:ea typeface="ＭＳ ゴシック" pitchFamily="49" charset="-128"/>
                               <a:cs typeface="Courier New" pitchFamily="49" charset="0"/>
@@ -3412,7 +3405,7 @@
                       <m:sSubSup>
                         <m:sSubSupPr>
                           <m:ctrlPr>
-                            <a:rPr lang="en-US" altLang="ja-JP" sz="1200" b="0" i="1" smtClean="0">
+                            <a:rPr lang="en-US" altLang="ja-JP" sz="1050" b="0" i="1" smtClean="0">
                               <a:latin typeface="Cambria Math"/>
                               <a:ea typeface="ＭＳ ゴシック" pitchFamily="49" charset="-128"/>
                               <a:cs typeface="Courier New" pitchFamily="49" charset="0"/>
@@ -3421,7 +3414,7 @@
                         </m:sSubSupPr>
                         <m:e>
                           <m:r>
-                            <a:rPr lang="en-US" altLang="ja-JP" sz="1200" b="0" i="1" smtClean="0">
+                            <a:rPr lang="en-US" altLang="ja-JP" sz="1050" b="0" i="1" smtClean="0">
                               <a:latin typeface="Cambria Math"/>
                               <a:ea typeface="ＭＳ ゴシック" pitchFamily="49" charset="-128"/>
                               <a:cs typeface="Courier New" pitchFamily="49" charset="0"/>
@@ -3429,7 +3422,7 @@
                             <m:t>  </m:t>
                           </m:r>
                           <m:r>
-                            <a:rPr lang="en-US" altLang="ja-JP" sz="1200" b="0" i="1" smtClean="0">
+                            <a:rPr lang="en-US" altLang="ja-JP" sz="1050" b="0" i="1" smtClean="0">
                               <a:latin typeface="Cambria Math"/>
                               <a:ea typeface="ＭＳ ゴシック" pitchFamily="49" charset="-128"/>
                               <a:cs typeface="Courier New" pitchFamily="49" charset="0"/>
@@ -3439,7 +3432,7 @@
                         </m:e>
                         <m:sub>
                           <m:r>
-                            <a:rPr lang="en-US" altLang="ja-JP" sz="1200" b="0" i="1" smtClean="0">
+                            <a:rPr lang="en-US" altLang="ja-JP" sz="1050" b="0" i="1" smtClean="0">
                               <a:latin typeface="Cambria Math"/>
                               <a:ea typeface="ＭＳ ゴシック" pitchFamily="49" charset="-128"/>
                               <a:cs typeface="Courier New" pitchFamily="49" charset="0"/>
@@ -3449,7 +3442,7 @@
                         </m:sub>
                         <m:sup>
                           <m:r>
-                            <a:rPr lang="en-US" altLang="ja-JP" sz="1200" b="0" i="1" smtClean="0">
+                            <a:rPr lang="en-US" altLang="ja-JP" sz="1050" b="0" i="1" smtClean="0">
                               <a:latin typeface="Cambria Math"/>
                               <a:ea typeface="ＭＳ ゴシック" pitchFamily="49" charset="-128"/>
                               <a:cs typeface="Courier New" pitchFamily="49" charset="0"/>
@@ -3461,7 +3454,7 @@
                     </m:oMath>
                   </m:oMathPara>
                 </a14:m>
-                <a:endParaRPr lang="ja-JP" altLang="en-US" sz="1200">
+                <a:endParaRPr lang="ja-JP" altLang="en-US" sz="1050">
                   <a:latin typeface="Courier New" pitchFamily="49" charset="0"/>
                   <a:ea typeface="ＭＳ ゴシック" pitchFamily="49" charset="-128"/>
                   <a:cs typeface="Courier New" pitchFamily="49" charset="0"/>
@@ -3482,7 +3475,7 @@
             <p:spPr>
               <a:xfrm>
                 <a:off x="1997968" y="1655204"/>
-                <a:ext cx="792088" cy="230171"/>
+                <a:ext cx="792088" cy="206831"/>
               </a:xfrm>
               <a:prstGeom prst="rect">
                 <a:avLst/>
@@ -3526,7 +3519,7 @@
         </p:nvCxnSpPr>
         <p:spPr>
           <a:xfrm flipV="1">
-            <a:off x="1493912" y="1503978"/>
+            <a:off x="1493912" y="1492244"/>
             <a:ext cx="504056" cy="216024"/>
           </a:xfrm>
           <a:prstGeom prst="straightConnector1">
@@ -3565,7 +3558,7 @@
         </p:nvCxnSpPr>
         <p:spPr>
           <a:xfrm flipV="1">
-            <a:off x="1493912" y="1770290"/>
+            <a:off x="1493912" y="1758620"/>
             <a:ext cx="504056" cy="478768"/>
           </a:xfrm>
           <a:prstGeom prst="straightConnector1">
@@ -3604,15 +3597,14 @@
             <p:spPr>
               <a:xfrm>
                 <a:off x="2286000" y="2061964"/>
-                <a:ext cx="792088" cy="230748"/>
+                <a:ext cx="792088" cy="207280"/>
               </a:xfrm>
               <a:prstGeom prst="rect">
                 <a:avLst/>
               </a:prstGeom>
               <a:solidFill>
-                <a:schemeClr val="accent6">
-                  <a:lumMod val="20000"/>
-                  <a:lumOff val="80000"/>
+                <a:schemeClr val="bg1">
+                  <a:lumMod val="95000"/>
                 </a:schemeClr>
               </a:solidFill>
               <a:ln w="9525" cap="rnd">
@@ -3636,7 +3628,7 @@
                     </m:oMathParaPr>
                     <m:oMath xmlns:m="http://schemas.openxmlformats.org/officeDocument/2006/math">
                       <m:r>
-                        <a:rPr lang="en-US" altLang="ja-JP" sz="1200" b="0" i="1" smtClean="0">
+                        <a:rPr lang="en-US" altLang="ja-JP" sz="1050" b="0" i="1" smtClean="0">
                           <a:latin typeface="Cambria Math"/>
                           <a:ea typeface="ＭＳ ゴシック" pitchFamily="49" charset="-128"/>
                           <a:cs typeface="Courier New" pitchFamily="49" charset="0"/>
@@ -3646,7 +3638,7 @@
                       <m:sSub>
                         <m:sSubPr>
                           <m:ctrlPr>
-                            <a:rPr lang="en-US" altLang="ja-JP" sz="1200" b="0" i="1" smtClean="0">
+                            <a:rPr lang="en-US" altLang="ja-JP" sz="1050" b="0" i="1" smtClean="0">
                               <a:latin typeface="Cambria Math"/>
                               <a:ea typeface="ＭＳ ゴシック" pitchFamily="49" charset="-128"/>
                               <a:cs typeface="Courier New" pitchFamily="49" charset="0"/>
@@ -3655,7 +3647,7 @@
                         </m:sSubPr>
                         <m:e>
                           <m:r>
-                            <a:rPr lang="en-US" altLang="ja-JP" sz="1200" b="0" i="1" smtClean="0">
+                            <a:rPr lang="en-US" altLang="ja-JP" sz="1050" b="0" i="1" smtClean="0">
                               <a:latin typeface="Cambria Math"/>
                               <a:ea typeface="ＭＳ ゴシック" pitchFamily="49" charset="-128"/>
                               <a:cs typeface="Courier New" pitchFamily="49" charset="0"/>
@@ -3665,7 +3657,7 @@
                         </m:e>
                         <m:sub>
                           <m:r>
-                            <a:rPr lang="en-US" altLang="ja-JP" sz="1200" b="0" i="1" smtClean="0">
+                            <a:rPr lang="en-US" altLang="ja-JP" sz="1050" b="0" i="1" smtClean="0">
                               <a:latin typeface="Cambria Math"/>
                               <a:ea typeface="ＭＳ ゴシック" pitchFamily="49" charset="-128"/>
                               <a:cs typeface="Courier New" pitchFamily="49" charset="0"/>
@@ -3677,7 +3669,7 @@
                       <m:sSubSup>
                         <m:sSubSupPr>
                           <m:ctrlPr>
-                            <a:rPr lang="en-US" altLang="ja-JP" sz="1200" b="0" i="1" smtClean="0">
+                            <a:rPr lang="en-US" altLang="ja-JP" sz="1050" b="0" i="1" smtClean="0">
                               <a:latin typeface="Cambria Math"/>
                               <a:ea typeface="ＭＳ ゴシック" pitchFamily="49" charset="-128"/>
                               <a:cs typeface="Courier New" pitchFamily="49" charset="0"/>
@@ -3686,7 +3678,7 @@
                         </m:sSubSupPr>
                         <m:e>
                           <m:r>
-                            <a:rPr lang="en-US" altLang="ja-JP" sz="1200" b="0" i="1" smtClean="0">
+                            <a:rPr lang="en-US" altLang="ja-JP" sz="1050" b="0" i="1" smtClean="0">
                               <a:latin typeface="Cambria Math"/>
                               <a:ea typeface="ＭＳ ゴシック" pitchFamily="49" charset="-128"/>
                               <a:cs typeface="Courier New" pitchFamily="49" charset="0"/>
@@ -3694,7 +3686,7 @@
                             <m:t>  </m:t>
                           </m:r>
                           <m:r>
-                            <a:rPr lang="en-US" altLang="ja-JP" sz="1200" b="0" i="1" smtClean="0">
+                            <a:rPr lang="en-US" altLang="ja-JP" sz="1050" b="0" i="1" smtClean="0">
                               <a:latin typeface="Cambria Math"/>
                               <a:ea typeface="ＭＳ ゴシック" pitchFamily="49" charset="-128"/>
                               <a:cs typeface="Courier New" pitchFamily="49" charset="0"/>
@@ -3704,7 +3696,7 @@
                         </m:e>
                         <m:sub>
                           <m:r>
-                            <a:rPr lang="en-US" altLang="ja-JP" sz="1200" b="0" i="1" smtClean="0">
+                            <a:rPr lang="en-US" altLang="ja-JP" sz="1050" b="0" i="1" smtClean="0">
                               <a:latin typeface="Cambria Math"/>
                               <a:ea typeface="ＭＳ ゴシック" pitchFamily="49" charset="-128"/>
                               <a:cs typeface="Courier New" pitchFamily="49" charset="0"/>
@@ -3714,7 +3706,7 @@
                         </m:sub>
                         <m:sup>
                           <m:r>
-                            <a:rPr lang="en-US" altLang="ja-JP" sz="1200" b="0" i="1" smtClean="0">
+                            <a:rPr lang="en-US" altLang="ja-JP" sz="1050" b="0" i="1" smtClean="0">
                               <a:latin typeface="Cambria Math"/>
                               <a:ea typeface="ＭＳ ゴシック" pitchFamily="49" charset="-128"/>
                               <a:cs typeface="Courier New" pitchFamily="49" charset="0"/>
@@ -3726,7 +3718,7 @@
                     </m:oMath>
                   </m:oMathPara>
                 </a14:m>
-                <a:endParaRPr lang="ja-JP" altLang="en-US" sz="1200">
+                <a:endParaRPr lang="ja-JP" altLang="en-US" sz="1050">
                   <a:latin typeface="Courier New" pitchFamily="49" charset="0"/>
                   <a:ea typeface="ＭＳ ゴシック" pitchFamily="49" charset="-128"/>
                   <a:cs typeface="Courier New" pitchFamily="49" charset="0"/>
@@ -3747,7 +3739,7 @@
             <p:spPr>
               <a:xfrm>
                 <a:off x="2286000" y="2061964"/>
-                <a:ext cx="792088" cy="230748"/>
+                <a:ext cx="792088" cy="207280"/>
               </a:xfrm>
               <a:prstGeom prst="rect">
                 <a:avLst/>
@@ -3791,15 +3783,14 @@
             <p:spPr>
               <a:xfrm>
                 <a:off x="2286000" y="2325101"/>
-                <a:ext cx="792088" cy="230171"/>
+                <a:ext cx="792088" cy="206831"/>
               </a:xfrm>
               <a:prstGeom prst="rect">
                 <a:avLst/>
               </a:prstGeom>
               <a:solidFill>
-                <a:schemeClr val="accent6">
-                  <a:lumMod val="60000"/>
-                  <a:lumOff val="40000"/>
+                <a:schemeClr val="bg1">
+                  <a:lumMod val="85000"/>
                 </a:schemeClr>
               </a:solidFill>
               <a:ln w="9525" cap="rnd">
@@ -3823,7 +3814,7 @@
                     </m:oMathParaPr>
                     <m:oMath xmlns:m="http://schemas.openxmlformats.org/officeDocument/2006/math">
                       <m:r>
-                        <a:rPr lang="en-US" altLang="ja-JP" sz="1200" b="0" i="1" smtClean="0">
+                        <a:rPr lang="en-US" altLang="ja-JP" sz="1050" b="0" i="1" smtClean="0">
                           <a:latin typeface="Cambria Math"/>
                           <a:ea typeface="ＭＳ ゴシック" pitchFamily="49" charset="-128"/>
                           <a:cs typeface="Courier New" pitchFamily="49" charset="0"/>
@@ -3833,7 +3824,7 @@
                       <m:sSub>
                         <m:sSubPr>
                           <m:ctrlPr>
-                            <a:rPr lang="en-US" altLang="ja-JP" sz="1200" b="0" i="1" smtClean="0">
+                            <a:rPr lang="en-US" altLang="ja-JP" sz="1050" b="0" i="1" smtClean="0">
                               <a:latin typeface="Cambria Math"/>
                               <a:ea typeface="ＭＳ ゴシック" pitchFamily="49" charset="-128"/>
                               <a:cs typeface="Courier New" pitchFamily="49" charset="0"/>
@@ -3842,7 +3833,7 @@
                         </m:sSubPr>
                         <m:e>
                           <m:r>
-                            <a:rPr lang="en-US" altLang="ja-JP" sz="1200" b="0" i="1" smtClean="0">
+                            <a:rPr lang="en-US" altLang="ja-JP" sz="1050" b="0" i="1" smtClean="0">
                               <a:latin typeface="Cambria Math"/>
                               <a:ea typeface="ＭＳ ゴシック" pitchFamily="49" charset="-128"/>
                               <a:cs typeface="Courier New" pitchFamily="49" charset="0"/>
@@ -3852,7 +3843,7 @@
                         </m:e>
                         <m:sub>
                           <m:r>
-                            <a:rPr lang="en-US" altLang="ja-JP" sz="1200" b="0" i="1" smtClean="0">
+                            <a:rPr lang="en-US" altLang="ja-JP" sz="1050" b="0" i="1" smtClean="0">
                               <a:latin typeface="Cambria Math"/>
                               <a:ea typeface="ＭＳ ゴシック" pitchFamily="49" charset="-128"/>
                               <a:cs typeface="Courier New" pitchFamily="49" charset="0"/>
@@ -3864,7 +3855,7 @@
                       <m:sSubSup>
                         <m:sSubSupPr>
                           <m:ctrlPr>
-                            <a:rPr lang="en-US" altLang="ja-JP" sz="1200" b="0" i="1" smtClean="0">
+                            <a:rPr lang="en-US" altLang="ja-JP" sz="1050" b="0" i="1" smtClean="0">
                               <a:latin typeface="Cambria Math"/>
                               <a:ea typeface="ＭＳ ゴシック" pitchFamily="49" charset="-128"/>
                               <a:cs typeface="Courier New" pitchFamily="49" charset="0"/>
@@ -3873,7 +3864,7 @@
                         </m:sSubSupPr>
                         <m:e>
                           <m:r>
-                            <a:rPr lang="en-US" altLang="ja-JP" sz="1200" b="0" i="1" smtClean="0">
+                            <a:rPr lang="en-US" altLang="ja-JP" sz="1050" b="0" i="1" smtClean="0">
                               <a:latin typeface="Cambria Math"/>
                               <a:ea typeface="ＭＳ ゴシック" pitchFamily="49" charset="-128"/>
                               <a:cs typeface="Courier New" pitchFamily="49" charset="0"/>
@@ -3881,7 +3872,7 @@
                             <m:t>  </m:t>
                           </m:r>
                           <m:r>
-                            <a:rPr lang="en-US" altLang="ja-JP" sz="1200" b="0" i="1" smtClean="0">
+                            <a:rPr lang="en-US" altLang="ja-JP" sz="1050" b="0" i="1" smtClean="0">
                               <a:latin typeface="Cambria Math"/>
                               <a:ea typeface="ＭＳ ゴシック" pitchFamily="49" charset="-128"/>
                               <a:cs typeface="Courier New" pitchFamily="49" charset="0"/>
@@ -3891,7 +3882,7 @@
                         </m:e>
                         <m:sub>
                           <m:r>
-                            <a:rPr lang="en-US" altLang="ja-JP" sz="1200" b="0" i="1" smtClean="0">
+                            <a:rPr lang="en-US" altLang="ja-JP" sz="1050" b="0" i="1" smtClean="0">
                               <a:latin typeface="Cambria Math"/>
                               <a:ea typeface="ＭＳ ゴシック" pitchFamily="49" charset="-128"/>
                               <a:cs typeface="Courier New" pitchFamily="49" charset="0"/>
@@ -3901,7 +3892,7 @@
                         </m:sub>
                         <m:sup>
                           <m:r>
-                            <a:rPr lang="en-US" altLang="ja-JP" sz="1200" b="0" i="1" smtClean="0">
+                            <a:rPr lang="en-US" altLang="ja-JP" sz="1050" b="0" i="1" smtClean="0">
                               <a:latin typeface="Cambria Math"/>
                               <a:ea typeface="ＭＳ ゴシック" pitchFamily="49" charset="-128"/>
                               <a:cs typeface="Courier New" pitchFamily="49" charset="0"/>
@@ -3913,7 +3904,7 @@
                     </m:oMath>
                   </m:oMathPara>
                 </a14:m>
-                <a:endParaRPr lang="ja-JP" altLang="en-US" sz="1200">
+                <a:endParaRPr lang="ja-JP" altLang="en-US" sz="1050">
                   <a:latin typeface="Courier New" pitchFamily="49" charset="0"/>
                   <a:ea typeface="ＭＳ ゴシック" pitchFamily="49" charset="-128"/>
                   <a:cs typeface="Courier New" pitchFamily="49" charset="0"/>
@@ -3934,7 +3925,7 @@
             <p:spPr>
               <a:xfrm>
                 <a:off x="2286000" y="2325101"/>
-                <a:ext cx="792088" cy="230171"/>
+                <a:ext cx="792088" cy="206831"/>
               </a:xfrm>
               <a:prstGeom prst="rect">
                 <a:avLst/>
@@ -3978,13 +3969,13 @@
             <p:spPr>
               <a:xfrm>
                 <a:off x="2286000" y="2587845"/>
-                <a:ext cx="792088" cy="234531"/>
+                <a:ext cx="792088" cy="210614"/>
               </a:xfrm>
               <a:prstGeom prst="rect">
                 <a:avLst/>
               </a:prstGeom>
               <a:solidFill>
-                <a:schemeClr val="accent6">
+                <a:schemeClr val="bg1">
                   <a:lumMod val="75000"/>
                 </a:schemeClr>
               </a:solidFill>
@@ -4009,7 +4000,7 @@
                     </m:oMathParaPr>
                     <m:oMath xmlns:m="http://schemas.openxmlformats.org/officeDocument/2006/math">
                       <m:r>
-                        <a:rPr lang="en-US" altLang="ja-JP" sz="1200" b="0" i="1" smtClean="0">
+                        <a:rPr lang="en-US" altLang="ja-JP" sz="1050" b="0" i="1" smtClean="0">
                           <a:latin typeface="Cambria Math"/>
                           <a:ea typeface="ＭＳ ゴシック" pitchFamily="49" charset="-128"/>
                           <a:cs typeface="Courier New" pitchFamily="49" charset="0"/>
@@ -4019,7 +4010,7 @@
                       <m:sSub>
                         <m:sSubPr>
                           <m:ctrlPr>
-                            <a:rPr lang="en-US" altLang="ja-JP" sz="1200" b="0" i="1" smtClean="0">
+                            <a:rPr lang="en-US" altLang="ja-JP" sz="1050" b="0" i="1" smtClean="0">
                               <a:latin typeface="Cambria Math"/>
                               <a:ea typeface="ＭＳ ゴシック" pitchFamily="49" charset="-128"/>
                               <a:cs typeface="Courier New" pitchFamily="49" charset="0"/>
@@ -4028,7 +4019,7 @@
                         </m:sSubPr>
                         <m:e>
                           <m:r>
-                            <a:rPr lang="en-US" altLang="ja-JP" sz="1200" b="0" i="1" smtClean="0">
+                            <a:rPr lang="en-US" altLang="ja-JP" sz="1050" b="0" i="1" smtClean="0">
                               <a:latin typeface="Cambria Math"/>
                               <a:ea typeface="ＭＳ ゴシック" pitchFamily="49" charset="-128"/>
                               <a:cs typeface="Courier New" pitchFamily="49" charset="0"/>
@@ -4038,7 +4029,7 @@
                         </m:e>
                         <m:sub>
                           <m:r>
-                            <a:rPr lang="en-US" altLang="ja-JP" sz="1200" b="0" i="1" smtClean="0">
+                            <a:rPr lang="en-US" altLang="ja-JP" sz="1050" b="0" i="1" smtClean="0">
                               <a:latin typeface="Cambria Math"/>
                               <a:ea typeface="ＭＳ ゴシック" pitchFamily="49" charset="-128"/>
                               <a:cs typeface="Courier New" pitchFamily="49" charset="0"/>
@@ -4050,7 +4041,7 @@
                       <m:sSubSup>
                         <m:sSubSupPr>
                           <m:ctrlPr>
-                            <a:rPr lang="en-US" altLang="ja-JP" sz="1200" b="0" i="1" smtClean="0">
+                            <a:rPr lang="en-US" altLang="ja-JP" sz="1050" b="0" i="1" smtClean="0">
                               <a:latin typeface="Cambria Math"/>
                               <a:ea typeface="ＭＳ ゴシック" pitchFamily="49" charset="-128"/>
                               <a:cs typeface="Courier New" pitchFamily="49" charset="0"/>
@@ -4059,7 +4050,7 @@
                         </m:sSubSupPr>
                         <m:e>
                           <m:r>
-                            <a:rPr lang="en-US" altLang="ja-JP" sz="1200" b="0" i="1" smtClean="0">
+                            <a:rPr lang="en-US" altLang="ja-JP" sz="1050" b="0" i="1" smtClean="0">
                               <a:latin typeface="Cambria Math"/>
                               <a:ea typeface="ＭＳ ゴシック" pitchFamily="49" charset="-128"/>
                               <a:cs typeface="Courier New" pitchFamily="49" charset="0"/>
@@ -4067,7 +4058,7 @@
                             <m:t>  </m:t>
                           </m:r>
                           <m:r>
-                            <a:rPr lang="en-US" altLang="ja-JP" sz="1200" b="0" i="1" smtClean="0">
+                            <a:rPr lang="en-US" altLang="ja-JP" sz="1050" b="0" i="1" smtClean="0">
                               <a:latin typeface="Cambria Math"/>
                               <a:ea typeface="ＭＳ ゴシック" pitchFamily="49" charset="-128"/>
                               <a:cs typeface="Courier New" pitchFamily="49" charset="0"/>
@@ -4077,7 +4068,7 @@
                         </m:e>
                         <m:sub>
                           <m:r>
-                            <a:rPr lang="en-US" altLang="ja-JP" sz="1200" b="0" i="1" smtClean="0">
+                            <a:rPr lang="en-US" altLang="ja-JP" sz="1050" b="0" i="1" smtClean="0">
                               <a:latin typeface="Cambria Math"/>
                               <a:ea typeface="ＭＳ ゴシック" pitchFamily="49" charset="-128"/>
                               <a:cs typeface="Courier New" pitchFamily="49" charset="0"/>
@@ -4087,7 +4078,7 @@
                         </m:sub>
                         <m:sup>
                           <m:r>
-                            <a:rPr lang="en-US" altLang="ja-JP" sz="1200" b="0" i="1" smtClean="0">
+                            <a:rPr lang="en-US" altLang="ja-JP" sz="1050" b="0" i="1" smtClean="0">
                               <a:latin typeface="Cambria Math"/>
                               <a:ea typeface="ＭＳ ゴシック" pitchFamily="49" charset="-128"/>
                               <a:cs typeface="Courier New" pitchFamily="49" charset="0"/>
@@ -4099,7 +4090,7 @@
                     </m:oMath>
                   </m:oMathPara>
                 </a14:m>
-                <a:endParaRPr lang="ja-JP" altLang="en-US" sz="1200">
+                <a:endParaRPr lang="ja-JP" altLang="en-US" sz="1050">
                   <a:latin typeface="Courier New" pitchFamily="49" charset="0"/>
                   <a:ea typeface="ＭＳ ゴシック" pitchFamily="49" charset="-128"/>
                   <a:cs typeface="Courier New" pitchFamily="49" charset="0"/>
@@ -4120,7 +4111,7 @@
             <p:spPr>
               <a:xfrm>
                 <a:off x="2286000" y="2587845"/>
-                <a:ext cx="792088" cy="234531"/>
+                <a:ext cx="792088" cy="210614"/>
               </a:xfrm>
               <a:prstGeom prst="rect">
                 <a:avLst/>
@@ -4128,7 +4119,7 @@
               <a:blipFill rotWithShape="1">
                 <a:blip r:embed="rId10"/>
                 <a:stretch>
-                  <a:fillRect b="-2500"/>
+                  <a:fillRect/>
                 </a:stretch>
               </a:blipFill>
               <a:ln w="9525" cap="rnd">
@@ -4164,7 +4155,7 @@
         <p:spPr>
           <a:xfrm>
             <a:off x="1493912" y="1736000"/>
-            <a:ext cx="792088" cy="441338"/>
+            <a:ext cx="792088" cy="429604"/>
           </a:xfrm>
           <a:prstGeom prst="straightConnector1">
             <a:avLst/>
@@ -4272,7 +4263,7 @@
         <p:spPr>
           <a:xfrm>
             <a:off x="3150096" y="2307060"/>
-            <a:ext cx="856471" cy="228183"/>
+            <a:ext cx="760291" cy="205100"/>
           </a:xfrm>
           <a:prstGeom prst="rect">
             <a:avLst/>
@@ -4290,14 +4281,14 @@
           <a:lstStyle/>
           <a:p>
             <a:r>
-              <a:rPr lang="ja-JP" altLang="en-US" sz="1200" smtClean="0">
+              <a:rPr lang="ja-JP" altLang="en-US" sz="1050" smtClean="0">
                 <a:latin typeface="HG丸ｺﾞｼｯｸM-PRO" panose="020F0600000000000000" pitchFamily="50" charset="-128"/>
                 <a:ea typeface="HG丸ｺﾞｼｯｸM-PRO" panose="020F0600000000000000" pitchFamily="50" charset="-128"/>
                 <a:cs typeface="Courier New" pitchFamily="49" charset="0"/>
               </a:rPr>
               <a:t>逆行列あり</a:t>
             </a:r>
-            <a:endParaRPr lang="ja-JP" altLang="en-US" sz="1200">
+            <a:endParaRPr lang="ja-JP" altLang="en-US" sz="1050">
               <a:latin typeface="HG丸ｺﾞｼｯｸM-PRO" panose="020F0600000000000000" pitchFamily="50" charset="-128"/>
               <a:ea typeface="HG丸ｺﾞｼｯｸM-PRO" panose="020F0600000000000000" pitchFamily="50" charset="-128"/>
               <a:cs typeface="Courier New" pitchFamily="49" charset="0"/>
